--- a/ietf118/chair-slides.pptx
+++ b/ietf118/chair-slides.pptx
@@ -4458,7 +4458,7 @@
           </a:pPr>
           <a:r>
             <a:rPr lang="en-US" b="0" i="0" dirty="0"/>
-            <a:t> New version published; comments?</a:t>
+            <a:t> New version published; comments? GitHub Repo?</a:t>
           </a:r>
           <a:endParaRPr lang="en-CA" dirty="0"/>
         </a:p>
@@ -4499,7 +4499,7 @@
           </a:pPr>
           <a:r>
             <a:rPr lang="en-US" b="0" i="0" dirty="0"/>
-            <a:t>. New version; comments?</a:t>
+            <a:t>. New version; comments? GitHub Repo?</a:t>
           </a:r>
         </a:p>
       </dgm:t>
@@ -4539,7 +4539,7 @@
           </a:pPr>
           <a:r>
             <a:rPr lang="en-US" b="0" i="0" dirty="0"/>
-            <a:t>Recently adopted.</a:t>
+            <a:t>Recently adopted. No comments, no issues.</a:t>
           </a:r>
         </a:p>
       </dgm:t>
@@ -4575,13 +4575,7 @@
         <a:p>
           <a:r>
             <a:rPr lang="en-US" b="0" i="0" dirty="0"/>
-            <a:t>Still many open issues. See </a:t>
-          </a:r>
-          <a:r>
-            <a:rPr lang="en-US" b="0" i="0" dirty="0">
-              <a:hlinkClick xmlns:r="http://schemas.openxmlformats.org/officeDocument/2006/relationships" r:id="rId7"/>
-            </a:rPr>
-            <a:t>https://github.com/ietf-wg-httpapi/mediatypes/issues?q=is%3Aopen+is%3Aissue</a:t>
+            <a:t>OpenAPI issues: plain name fragments, and security considerations</a:t>
           </a:r>
           <a:endParaRPr lang="en-CA" dirty="0"/>
         </a:p>
@@ -4618,7 +4612,7 @@
         <a:p>
           <a:r>
             <a:rPr lang="en-US" b="0" i="0" dirty="0"/>
-            <a:t>David Benjamin asks about adopting this to handle POST No WG consensus yet.</a:t>
+            <a:t>Editors draft includes ability for client to send field without knowledge of server support. No WG consensus yet.</a:t>
           </a:r>
           <a:endParaRPr lang="en-CA" dirty="0"/>
         </a:p>
@@ -4655,7 +4649,7 @@
         <a:p>
           <a:r>
             <a:rPr lang="en-US" b="0" i="0" dirty="0"/>
-            <a:t>Two open issues; then ready for WGLC?</a:t>
+            <a:t>Policy identifier PR is updated with feedback from IETF 117</a:t>
           </a:r>
           <a:endParaRPr lang="en-CA" dirty="0"/>
         </a:p>
@@ -4692,7 +4686,7 @@
         <a:p>
           <a:r>
             <a:rPr lang="en-CA" b="0" dirty="0">
-              <a:hlinkClick xmlns:r="http://schemas.openxmlformats.org/officeDocument/2006/relationships" r:id="rId8"/>
+              <a:hlinkClick xmlns:r="http://schemas.openxmlformats.org/officeDocument/2006/relationships" r:id="rId7"/>
             </a:rPr>
             <a:t>Auth Link Relations</a:t>
           </a:r>
@@ -4734,7 +4728,7 @@
         <a:p>
           <a:r>
             <a:rPr lang="en-CA" dirty="0"/>
-            <a:t>Updates?</a:t>
+            <a:t>Updates? Empty GitHub repo.</a:t>
           </a:r>
         </a:p>
       </dgm:t>
@@ -4761,80 +4755,6 @@
         </a:p>
       </dgm:t>
     </dgm:pt>
-    <dgm:pt modelId="{65F2A0E2-CABA-439A-A624-92F57B07ECB1}">
-      <dgm:prSet/>
-      <dgm:spPr/>
-      <dgm:t>
-        <a:bodyPr/>
-        <a:lstStyle/>
-        <a:p>
-          <a:r>
-            <a:rPr lang="en-US" b="0" i="0" dirty="0"/>
-            <a:t>One is policy identifier.</a:t>
-          </a:r>
-          <a:endParaRPr lang="en-CA" dirty="0"/>
-        </a:p>
-      </dgm:t>
-    </dgm:pt>
-    <dgm:pt modelId="{5366BFD3-1E65-403C-A62D-EAD8B98CA641}" type="parTrans" cxnId="{D883730A-28B7-49DA-8CCD-C54F36DFD53D}">
-      <dgm:prSet/>
-      <dgm:spPr/>
-      <dgm:t>
-        <a:bodyPr/>
-        <a:lstStyle/>
-        <a:p>
-          <a:endParaRPr lang="en-CA"/>
-        </a:p>
-      </dgm:t>
-    </dgm:pt>
-    <dgm:pt modelId="{6621925B-61D8-4D5A-A664-30D3E6F1CBF0}" type="sibTrans" cxnId="{D883730A-28B7-49DA-8CCD-C54F36DFD53D}">
-      <dgm:prSet/>
-      <dgm:spPr/>
-      <dgm:t>
-        <a:bodyPr/>
-        <a:lstStyle/>
-        <a:p>
-          <a:endParaRPr lang="en-CA"/>
-        </a:p>
-      </dgm:t>
-    </dgm:pt>
-    <dgm:pt modelId="{78C7E0BF-6BF2-4F30-A8B2-1E687E586FC0}">
-      <dgm:prSet/>
-      <dgm:spPr/>
-      <dgm:t>
-        <a:bodyPr/>
-        <a:lstStyle/>
-        <a:p>
-          <a:r>
-            <a:rPr lang="en-US" b="0" i="0" dirty="0"/>
-            <a:t>Thanks Sanjay for moving this forward.</a:t>
-          </a:r>
-          <a:endParaRPr lang="en-CA" dirty="0"/>
-        </a:p>
-      </dgm:t>
-    </dgm:pt>
-    <dgm:pt modelId="{E7DE3A8B-0223-4706-9746-8662F1D67662}" type="parTrans" cxnId="{DEC76632-B11C-487D-B953-14CD2AF982A6}">
-      <dgm:prSet/>
-      <dgm:spPr/>
-      <dgm:t>
-        <a:bodyPr/>
-        <a:lstStyle/>
-        <a:p>
-          <a:endParaRPr lang="en-CA"/>
-        </a:p>
-      </dgm:t>
-    </dgm:pt>
-    <dgm:pt modelId="{14A7C7B8-CFAF-4693-AE45-5E5586BD9498}" type="sibTrans" cxnId="{DEC76632-B11C-487D-B953-14CD2AF982A6}">
-      <dgm:prSet/>
-      <dgm:spPr/>
-      <dgm:t>
-        <a:bodyPr/>
-        <a:lstStyle/>
-        <a:p>
-          <a:endParaRPr lang="en-CA"/>
-        </a:p>
-      </dgm:t>
-    </dgm:pt>
     <dgm:pt modelId="{A8D14763-91D2-4DFF-AB7E-1E44CF9C457B}">
       <dgm:prSet/>
       <dgm:spPr/>
@@ -4844,7 +4764,7 @@
         <a:p>
           <a:r>
             <a:rPr lang="en-US" b="0" i="0" dirty="0"/>
-            <a:t>Move to WGLC with/without addressing that?</a:t>
+            <a:t>Move to WGLC with/without addressing that? New version first?</a:t>
           </a:r>
           <a:endParaRPr lang="en-CA" dirty="0"/>
         </a:p>
@@ -4872,7 +4792,7 @@
         </a:p>
       </dgm:t>
     </dgm:pt>
-    <dgm:pt modelId="{B79D243D-941F-4AFB-9237-73C32B1DF8B4}">
+    <dgm:pt modelId="{E55727BA-8635-4562-9B05-4DD6F194477C}">
       <dgm:prSet/>
       <dgm:spPr/>
       <dgm:t>
@@ -4880,14 +4800,13 @@
         <a:lstStyle/>
         <a:p>
           <a:r>
-            <a:rPr lang="en-US" b="0" i="0" dirty="0"/>
-            <a:t>New version first?</a:t>
+            <a:rPr lang="en-CA" dirty="0"/>
+            <a:t>JSON Schema issues: ??</a:t>
           </a:r>
-          <a:endParaRPr lang="en-CA" dirty="0"/>
         </a:p>
       </dgm:t>
     </dgm:pt>
-    <dgm:pt modelId="{06CDA498-CBB5-47BE-A315-29ACB92BE287}" type="parTrans" cxnId="{8E2F3111-CF40-464F-AB5E-693935F8CCE4}">
+    <dgm:pt modelId="{5C6798AE-0CED-436D-93C5-121E4F7CA0F5}" type="parTrans" cxnId="{5EC1C405-C2F8-45D5-AAC1-41A26CD90236}">
       <dgm:prSet/>
       <dgm:spPr/>
       <dgm:t>
@@ -4898,7 +4817,115 @@
         </a:p>
       </dgm:t>
     </dgm:pt>
-    <dgm:pt modelId="{751E10D1-7202-4FD3-A1C7-4C99BA5DD56C}" type="sibTrans" cxnId="{8E2F3111-CF40-464F-AB5E-693935F8CCE4}">
+    <dgm:pt modelId="{11580788-040F-4261-BDEB-D1C581379FA7}" type="sibTrans" cxnId="{5EC1C405-C2F8-45D5-AAC1-41A26CD90236}">
+      <dgm:prSet/>
+      <dgm:spPr/>
+      <dgm:t>
+        <a:bodyPr/>
+        <a:lstStyle/>
+        <a:p>
+          <a:endParaRPr lang="en-CA"/>
+        </a:p>
+      </dgm:t>
+    </dgm:pt>
+    <dgm:pt modelId="{9E11B495-AAA6-4AD6-AC2D-DC0332042030}">
+      <dgm:prSet/>
+      <dgm:spPr/>
+      <dgm:t>
+        <a:bodyPr/>
+        <a:lstStyle/>
+        <a:p>
+          <a:r>
+            <a:rPr lang="en-CA" dirty="0"/>
+            <a:t>Minor editorial issues remain.</a:t>
+          </a:r>
+        </a:p>
+      </dgm:t>
+    </dgm:pt>
+    <dgm:pt modelId="{AF4A51A4-791A-424A-B369-7699B314A123}" type="parTrans" cxnId="{DB3D7D3A-1933-414F-9606-E980F1390991}">
+      <dgm:prSet/>
+      <dgm:spPr/>
+      <dgm:t>
+        <a:bodyPr/>
+        <a:lstStyle/>
+        <a:p>
+          <a:endParaRPr lang="en-CA"/>
+        </a:p>
+      </dgm:t>
+    </dgm:pt>
+    <dgm:pt modelId="{67BA2E6B-1C74-49FA-96E7-9E9D782B8AF5}" type="sibTrans" cxnId="{DB3D7D3A-1933-414F-9606-E980F1390991}">
+      <dgm:prSet/>
+      <dgm:spPr/>
+      <dgm:t>
+        <a:bodyPr/>
+        <a:lstStyle/>
+        <a:p>
+          <a:endParaRPr lang="en-CA"/>
+        </a:p>
+      </dgm:t>
+    </dgm:pt>
+    <dgm:pt modelId="{C332C619-5885-4941-A86D-DE758C6892CC}">
+      <dgm:prSet/>
+      <dgm:spPr/>
+      <dgm:t>
+        <a:bodyPr/>
+        <a:lstStyle/>
+        <a:p>
+          <a:r>
+            <a:rPr lang="en-CA" dirty="0"/>
+            <a:t>Scope parameter and quota units are open issues.  </a:t>
+          </a:r>
+        </a:p>
+      </dgm:t>
+    </dgm:pt>
+    <dgm:pt modelId="{49CAC6B7-A994-45CB-A87A-EAE82B68141A}" type="parTrans" cxnId="{2E03673A-6323-4B6C-B8BE-968F83681724}">
+      <dgm:prSet/>
+      <dgm:spPr/>
+      <dgm:t>
+        <a:bodyPr/>
+        <a:lstStyle/>
+        <a:p>
+          <a:endParaRPr lang="en-CA"/>
+        </a:p>
+      </dgm:t>
+    </dgm:pt>
+    <dgm:pt modelId="{44F182F5-B345-4A84-B07F-3DAF3B23D8F9}" type="sibTrans" cxnId="{2E03673A-6323-4B6C-B8BE-968F83681724}">
+      <dgm:prSet/>
+      <dgm:spPr/>
+      <dgm:t>
+        <a:bodyPr/>
+        <a:lstStyle/>
+        <a:p>
+          <a:endParaRPr lang="en-CA"/>
+        </a:p>
+      </dgm:t>
+    </dgm:pt>
+    <dgm:pt modelId="{C54D5D85-1A2A-499F-8DE1-6D0B68D3C74A}">
+      <dgm:prSet/>
+      <dgm:spPr/>
+      <dgm:t>
+        <a:bodyPr/>
+        <a:lstStyle/>
+        <a:p>
+          <a:r>
+            <a:rPr lang="en-CA" dirty="0"/>
+            <a:t>Do we need a parameter registry?</a:t>
+          </a:r>
+        </a:p>
+      </dgm:t>
+    </dgm:pt>
+    <dgm:pt modelId="{FC477DBE-9659-45E9-BFD9-F5805CA99598}" type="parTrans" cxnId="{96D4543A-D704-4C92-8D04-8B6A74FF75E5}">
+      <dgm:prSet/>
+      <dgm:spPr/>
+      <dgm:t>
+        <a:bodyPr/>
+        <a:lstStyle/>
+        <a:p>
+          <a:endParaRPr lang="en-CA"/>
+        </a:p>
+      </dgm:t>
+    </dgm:pt>
+    <dgm:pt modelId="{6E17BCE6-7D32-489C-A35E-53A896EBF905}" type="sibTrans" cxnId="{96D4543A-D704-4C92-8D04-8B6A74FF75E5}">
       <dgm:prSet/>
       <dgm:spPr/>
       <dgm:t>
@@ -5039,40 +5066,42 @@
     </dgm:pt>
   </dgm:ptLst>
   <dgm:cxnLst>
+    <dgm:cxn modelId="{5EC1C405-C2F8-45D5-AAC1-41A26CD90236}" srcId="{0C4BFE02-752C-484D-9EE7-7687A7A8B0A1}" destId="{E55727BA-8635-4562-9B05-4DD6F194477C}" srcOrd="1" destOrd="0" parTransId="{5C6798AE-0CED-436D-93C5-121E4F7CA0F5}" sibTransId="{11580788-040F-4261-BDEB-D1C581379FA7}"/>
     <dgm:cxn modelId="{62FC2608-9F00-4B74-BE26-DE72FDC8CB34}" srcId="{5A74461C-03D2-4710-83A6-473E5DCC924F}" destId="{A8657BB7-7286-4B4F-88BD-EA59BB5CCA80}" srcOrd="1" destOrd="0" parTransId="{39EDBF7D-BC76-4995-92BC-ECEAF0D8FC5B}" sibTransId="{3F23C178-010F-461E-AD37-9ED00C80D4D5}"/>
-    <dgm:cxn modelId="{D883730A-28B7-49DA-8CCD-C54F36DFD53D}" srcId="{C1D50937-6713-43C7-BE12-907638B203C2}" destId="{65F2A0E2-CABA-439A-A624-92F57B07ECB1}" srcOrd="1" destOrd="0" parTransId="{5366BFD3-1E65-403C-A62D-EAD8B98CA641}" sibTransId="{6621925B-61D8-4D5A-A664-30D3E6F1CBF0}"/>
-    <dgm:cxn modelId="{8E2F3111-CF40-464F-AB5E-693935F8CCE4}" srcId="{45EB6552-F766-4C4F-B20E-D18296EBA64B}" destId="{B79D243D-941F-4AFB-9237-73C32B1DF8B4}" srcOrd="3" destOrd="0" parTransId="{06CDA498-CBB5-47BE-A315-29ACB92BE287}" sibTransId="{751E10D1-7202-4FD3-A1C7-4C99BA5DD56C}"/>
     <dgm:cxn modelId="{B45A7A1C-81BC-45F7-AB6B-A91FA7DE92FF}" type="presOf" srcId="{45EB6552-F766-4C4F-B20E-D18296EBA64B}" destId="{84C66EBB-5BEA-48B9-B703-9835CDA4DDFF}" srcOrd="0" destOrd="0" presId="urn:microsoft.com/office/officeart/2005/8/layout/vList2"/>
     <dgm:cxn modelId="{68AED82A-D8F5-4DA5-B5A7-5F9A7567CD30}" srcId="{FC0E59C2-6E6D-4DDA-8C5A-044344FA2E4B}" destId="{48DC84C0-F618-46B8-8BAA-4D3B01B976BC}" srcOrd="0" destOrd="0" parTransId="{FC95D1DD-402E-4FC7-A029-3A6024209A6C}" sibTransId="{1E262363-11FA-4773-99FD-CD3576783561}"/>
-    <dgm:cxn modelId="{DEC76632-B11C-487D-B953-14CD2AF982A6}" srcId="{45EB6552-F766-4C4F-B20E-D18296EBA64B}" destId="{78C7E0BF-6BF2-4F30-A8B2-1E687E586FC0}" srcOrd="1" destOrd="0" parTransId="{E7DE3A8B-0223-4706-9746-8662F1D67662}" sibTransId="{14A7C7B8-CFAF-4693-AE45-5E5586BD9498}"/>
+    <dgm:cxn modelId="{F716CB2C-B491-41AE-A97D-AF46C6D90C55}" type="presOf" srcId="{9E11B495-AAA6-4AD6-AC2D-DC0332042030}" destId="{81D9A9F2-6104-4756-85D5-466AB31538E7}" srcOrd="0" destOrd="0" presId="urn:microsoft.com/office/officeart/2005/8/layout/vList2"/>
     <dgm:cxn modelId="{8A5E7932-BDDC-4C34-ABA1-5F1AD4188F0A}" type="presOf" srcId="{A8D14763-91D2-4DFF-AB7E-1E44CF9C457B}" destId="{81D9A9F2-6104-4756-85D5-466AB31538E7}" srcOrd="0" destOrd="2" presId="urn:microsoft.com/office/officeart/2005/8/layout/vList2"/>
     <dgm:cxn modelId="{05EA5737-2462-438C-BF27-ECDCEBCEA6B3}" type="presOf" srcId="{FC0E59C2-6E6D-4DDA-8C5A-044344FA2E4B}" destId="{5AC83D3D-A5AF-4EA2-AEA8-C1B32DA9ED3D}" srcOrd="0" destOrd="0" presId="urn:microsoft.com/office/officeart/2005/8/layout/vList2"/>
+    <dgm:cxn modelId="{2E03673A-6323-4B6C-B8BE-968F83681724}" srcId="{C1D50937-6713-43C7-BE12-907638B203C2}" destId="{C332C619-5885-4941-A86D-DE758C6892CC}" srcOrd="1" destOrd="0" parTransId="{49CAC6B7-A994-45CB-A87A-EAE82B68141A}" sibTransId="{44F182F5-B345-4A84-B07F-3DAF3B23D8F9}"/>
+    <dgm:cxn modelId="{96D4543A-D704-4C92-8D04-8B6A74FF75E5}" srcId="{C1D50937-6713-43C7-BE12-907638B203C2}" destId="{C54D5D85-1A2A-499F-8DE1-6D0B68D3C74A}" srcOrd="2" destOrd="0" parTransId="{FC477DBE-9659-45E9-BFD9-F5805CA99598}" sibTransId="{6E17BCE6-7D32-489C-A35E-53A896EBF905}"/>
+    <dgm:cxn modelId="{DB3D7D3A-1933-414F-9606-E980F1390991}" srcId="{45EB6552-F766-4C4F-B20E-D18296EBA64B}" destId="{9E11B495-AAA6-4AD6-AC2D-DC0332042030}" srcOrd="0" destOrd="0" parTransId="{AF4A51A4-791A-424A-B369-7699B314A123}" sibTransId="{67BA2E6B-1C74-49FA-96E7-9E9D782B8AF5}"/>
     <dgm:cxn modelId="{7ED5AE3F-28CD-433A-830E-B626F0856D19}" srcId="{45EB6552-F766-4C4F-B20E-D18296EBA64B}" destId="{A8D14763-91D2-4DFF-AB7E-1E44CF9C457B}" srcOrd="2" destOrd="0" parTransId="{051A32EF-15D7-42C8-B09E-F6B02FB2AB3C}" sibTransId="{84F533E9-E8E9-4F65-AD7C-02B94AA4DECE}"/>
     <dgm:cxn modelId="{48DE3868-9FEC-4051-ADB8-197304DA03F5}" srcId="{5A74461C-03D2-4710-83A6-473E5DCC924F}" destId="{FC0E59C2-6E6D-4DDA-8C5A-044344FA2E4B}" srcOrd="4" destOrd="0" parTransId="{5C741F52-8A05-4231-9C0D-AF753D0A22CE}" sibTransId="{B23F0186-D867-47F8-9632-E2BB0A96F6EF}"/>
     <dgm:cxn modelId="{49911B50-5299-4D15-AE29-A1B79A5C9DE1}" srcId="{5A74461C-03D2-4710-83A6-473E5DCC924F}" destId="{45EB6552-F766-4C4F-B20E-D18296EBA64B}" srcOrd="5" destOrd="0" parTransId="{13E406BE-7F14-4BFC-9704-F29F0CDD2677}" sibTransId="{3CACA01C-528A-48AA-BC70-9CA8DE01F6B0}"/>
     <dgm:cxn modelId="{F2178173-8C5F-4CFC-A5EA-453332278D82}" type="presOf" srcId="{48DC84C0-F618-46B8-8BAA-4D3B01B976BC}" destId="{F9957635-39DC-49E8-B1C1-DCA655B02E49}" srcOrd="0" destOrd="0" presId="urn:microsoft.com/office/officeart/2005/8/layout/vList2"/>
+    <dgm:cxn modelId="{7A23E274-E0B7-4F6A-86F2-A65471E9D8A9}" type="presOf" srcId="{C54D5D85-1A2A-499F-8DE1-6D0B68D3C74A}" destId="{8F9FF76C-CEDD-43B2-B639-10A92A49A0E8}" srcOrd="0" destOrd="2" presId="urn:microsoft.com/office/officeart/2005/8/layout/vList2"/>
     <dgm:cxn modelId="{20B27B59-A4F8-4563-92DF-61B74D7603B3}" srcId="{0C4BFE02-752C-484D-9EE7-7687A7A8B0A1}" destId="{5B650BDE-124C-4112-B58B-D1C1029D6D6C}" srcOrd="0" destOrd="0" parTransId="{6B63BA10-3F8D-4202-97F0-DDB3A981A677}" sibTransId="{E82EB374-6ADD-429F-80E8-D5FC91456DBC}"/>
     <dgm:cxn modelId="{A2CE385A-E44F-4CBC-BD7B-2460E464A983}" srcId="{A8657BB7-7286-4B4F-88BD-EA59BB5CCA80}" destId="{FD3C1140-A548-4B03-A80A-4B2677459FAF}" srcOrd="0" destOrd="0" parTransId="{DCF6E54F-E2B9-4325-B3BA-AD0FAC33514C}" sibTransId="{1993A224-75E2-42F9-993A-CA90586923B3}"/>
     <dgm:cxn modelId="{6860568A-0FA1-474C-ABF6-90E466F15520}" type="presOf" srcId="{535E078D-F838-4608-8F6D-0D057888D70B}" destId="{EC7D4324-859D-4189-88EA-BB972D7E6119}" srcOrd="0" destOrd="0" presId="urn:microsoft.com/office/officeart/2005/8/layout/vList2"/>
     <dgm:cxn modelId="{AFB7078C-5004-4A1A-BE3B-BD5C0774E28E}" type="presOf" srcId="{FD3C1140-A548-4B03-A80A-4B2677459FAF}" destId="{4F31B09F-225C-4AEA-B1B1-BD289C6658CB}" srcOrd="0" destOrd="0" presId="urn:microsoft.com/office/officeart/2005/8/layout/vList2"/>
     <dgm:cxn modelId="{38FE408D-68B9-49AB-AA11-90D0E5418211}" type="presOf" srcId="{0C4BFE02-752C-484D-9EE7-7687A7A8B0A1}" destId="{836629BC-C5D8-4480-AF43-2C4C551E2250}" srcOrd="0" destOrd="0" presId="urn:microsoft.com/office/officeart/2005/8/layout/vList2"/>
     <dgm:cxn modelId="{7FDADD9E-38D5-4DC3-BA1E-4172EC6B0AE8}" type="presOf" srcId="{B7B56E76-8482-4735-BF1F-2D2788812E6F}" destId="{28241068-5162-4995-9378-5111284B3A36}" srcOrd="0" destOrd="0" presId="urn:microsoft.com/office/officeart/2005/8/layout/vList2"/>
-    <dgm:cxn modelId="{1CA189A0-DB14-4503-AAB5-D40261E814FC}" type="presOf" srcId="{4A662C69-BF1C-4AF5-AB07-42D12C22C601}" destId="{81D9A9F2-6104-4756-85D5-466AB31538E7}" srcOrd="0" destOrd="0" presId="urn:microsoft.com/office/officeart/2005/8/layout/vList2"/>
+    <dgm:cxn modelId="{1CA189A0-DB14-4503-AAB5-D40261E814FC}" type="presOf" srcId="{4A662C69-BF1C-4AF5-AB07-42D12C22C601}" destId="{81D9A9F2-6104-4756-85D5-466AB31538E7}" srcOrd="0" destOrd="1" presId="urn:microsoft.com/office/officeart/2005/8/layout/vList2"/>
     <dgm:cxn modelId="{2E1A90A0-69DD-4EF7-8AD8-258A80288E88}" srcId="{5A74461C-03D2-4710-83A6-473E5DCC924F}" destId="{F934F144-B28B-4A93-9548-C38CF9A50A80}" srcOrd="2" destOrd="0" parTransId="{DD52A9F9-797A-4240-81A5-09C70D159398}" sibTransId="{C6AB0AF7-A569-4F28-960E-F9F811325476}"/>
     <dgm:cxn modelId="{35838AA3-D4D8-4C28-A462-F8E50020090E}" type="presOf" srcId="{C1D50937-6713-43C7-BE12-907638B203C2}" destId="{D9483727-B001-4B94-A296-BEB540E29684}" srcOrd="0" destOrd="0" presId="urn:microsoft.com/office/officeart/2005/8/layout/vList2"/>
     <dgm:cxn modelId="{73078BA4-92EA-4A99-BA49-2089AC725DB8}" type="presOf" srcId="{F934F144-B28B-4A93-9548-C38CF9A50A80}" destId="{94C9E23B-F7D0-4B6A-BF05-5F5DE06D6DB7}" srcOrd="0" destOrd="0" presId="urn:microsoft.com/office/officeart/2005/8/layout/vList2"/>
-    <dgm:cxn modelId="{155EEFB1-154B-4815-80B6-61286315E79E}" srcId="{45EB6552-F766-4C4F-B20E-D18296EBA64B}" destId="{4A662C69-BF1C-4AF5-AB07-42D12C22C601}" srcOrd="0" destOrd="0" parTransId="{EF09BC4D-C151-4176-9D19-90E76AAF62F1}" sibTransId="{54F40D1C-1268-4E01-BF82-0F8B518EF957}"/>
+    <dgm:cxn modelId="{155EEFB1-154B-4815-80B6-61286315E79E}" srcId="{45EB6552-F766-4C4F-B20E-D18296EBA64B}" destId="{4A662C69-BF1C-4AF5-AB07-42D12C22C601}" srcOrd="1" destOrd="0" parTransId="{EF09BC4D-C151-4176-9D19-90E76AAF62F1}" sibTransId="{54F40D1C-1268-4E01-BF82-0F8B518EF957}"/>
+    <dgm:cxn modelId="{CB29E8BB-D654-41CD-86E5-5859E8213D94}" type="presOf" srcId="{E55727BA-8635-4562-9B05-4DD6F194477C}" destId="{2CD908A2-7EA9-4011-A1D3-35B7DF8B4380}" srcOrd="0" destOrd="1" presId="urn:microsoft.com/office/officeart/2005/8/layout/vList2"/>
     <dgm:cxn modelId="{D9A705C0-0575-4575-A6C0-1CF14D4C4D54}" type="presOf" srcId="{E32277CC-4583-4F51-A236-BC4541EC86E0}" destId="{8F9FF76C-CEDD-43B2-B639-10A92A49A0E8}" srcOrd="0" destOrd="0" presId="urn:microsoft.com/office/officeart/2005/8/layout/vList2"/>
+    <dgm:cxn modelId="{23EA7DD3-4AE8-40DA-B427-272BD5972ABA}" type="presOf" srcId="{C332C619-5885-4941-A86D-DE758C6892CC}" destId="{8F9FF76C-CEDD-43B2-B639-10A92A49A0E8}" srcOrd="0" destOrd="1" presId="urn:microsoft.com/office/officeart/2005/8/layout/vList2"/>
     <dgm:cxn modelId="{3A52B8D5-3EB3-4D8F-AFF6-906910854E80}" type="presOf" srcId="{A6906304-1F34-4249-A629-04E7DCC12D19}" destId="{5DBE4C09-2606-4BBA-8CDE-F8DEF5E6A514}" srcOrd="0" destOrd="0" presId="urn:microsoft.com/office/officeart/2005/8/layout/vList2"/>
-    <dgm:cxn modelId="{1CA57DD7-47F5-47A5-84E6-703F7DD3BB79}" type="presOf" srcId="{65F2A0E2-CABA-439A-A624-92F57B07ECB1}" destId="{8F9FF76C-CEDD-43B2-B639-10A92A49A0E8}" srcOrd="0" destOrd="1" presId="urn:microsoft.com/office/officeart/2005/8/layout/vList2"/>
     <dgm:cxn modelId="{3AF009D9-F62F-4715-8052-3CC3443BC7C2}" type="presOf" srcId="{A8657BB7-7286-4B4F-88BD-EA59BB5CCA80}" destId="{1AA0F8AD-7792-42EE-B045-508654B9F385}" srcOrd="0" destOrd="0" presId="urn:microsoft.com/office/officeart/2005/8/layout/vList2"/>
     <dgm:cxn modelId="{8D67AEDC-94E6-4927-9498-3483F27D444E}" type="presOf" srcId="{5A74461C-03D2-4710-83A6-473E5DCC924F}" destId="{99C10BEB-D29F-467A-B28E-AE7917E611D4}" srcOrd="0" destOrd="0" presId="urn:microsoft.com/office/officeart/2005/8/layout/vList2"/>
     <dgm:cxn modelId="{64D848E4-3266-4D58-B84A-11E8A817249C}" srcId="{F934F144-B28B-4A93-9548-C38CF9A50A80}" destId="{535E078D-F838-4608-8F6D-0D057888D70B}" srcOrd="0" destOrd="0" parTransId="{E4E4965B-1F60-40C5-9D99-BD701A6EFE07}" sibTransId="{70663898-68E6-4954-ABAF-2F1BE8FF4BC3}"/>
     <dgm:cxn modelId="{5C5D4AE5-201E-43AA-8C46-A2A2B177D4ED}" srcId="{5A74461C-03D2-4710-83A6-473E5DCC924F}" destId="{C1D50937-6713-43C7-BE12-907638B203C2}" srcOrd="6" destOrd="0" parTransId="{203945BB-3545-4EB3-9FC6-B38B1B86AD23}" sibTransId="{5666BBB6-5A21-4BB9-8E35-8904DCD0896E}"/>
     <dgm:cxn modelId="{5D6142EB-814F-465A-BC91-F1D919E1D9FB}" srcId="{C1D50937-6713-43C7-BE12-907638B203C2}" destId="{E32277CC-4583-4F51-A236-BC4541EC86E0}" srcOrd="0" destOrd="0" parTransId="{DB3329B4-34BE-43D8-8E2E-873D101133EB}" sibTransId="{B7D12980-931A-4B28-A812-6384F1329736}"/>
-    <dgm:cxn modelId="{A8EBB3ED-3825-4AED-9505-5EA53237889F}" type="presOf" srcId="{B79D243D-941F-4AFB-9237-73C32B1DF8B4}" destId="{81D9A9F2-6104-4756-85D5-466AB31538E7}" srcOrd="0" destOrd="3" presId="urn:microsoft.com/office/officeart/2005/8/layout/vList2"/>
     <dgm:cxn modelId="{D87ADBF0-53F8-48F4-AD3C-60821C7D863A}" srcId="{5A74461C-03D2-4710-83A6-473E5DCC924F}" destId="{0C4BFE02-752C-484D-9EE7-7687A7A8B0A1}" srcOrd="3" destOrd="0" parTransId="{56BE2B66-2BA5-4928-B86A-E8F31B294622}" sibTransId="{A1FADF42-5E5A-4C48-9BF3-4D01AB66741A}"/>
-    <dgm:cxn modelId="{1C7460F5-19E6-4311-AC7A-32555DAD9915}" type="presOf" srcId="{78C7E0BF-6BF2-4F30-A8B2-1E687E586FC0}" destId="{81D9A9F2-6104-4756-85D5-466AB31538E7}" srcOrd="0" destOrd="1" presId="urn:microsoft.com/office/officeart/2005/8/layout/vList2"/>
     <dgm:cxn modelId="{0A55CEF6-4BD9-461C-B9E9-79E8FC35359D}" srcId="{B7B56E76-8482-4735-BF1F-2D2788812E6F}" destId="{A6906304-1F34-4249-A629-04E7DCC12D19}" srcOrd="0" destOrd="0" parTransId="{FAE2A065-A6FD-4217-9C87-FDB255EDC2C5}" sibTransId="{E7E72111-7218-4871-8608-D2D53FAE647B}"/>
     <dgm:cxn modelId="{981338F7-E9A2-44D0-90EF-E813423A7AB2}" srcId="{5A74461C-03D2-4710-83A6-473E5DCC924F}" destId="{B7B56E76-8482-4735-BF1F-2D2788812E6F}" srcOrd="0" destOrd="0" parTransId="{1971EE93-788B-414D-971B-4554A99A5FE8}" sibTransId="{DA9ABD35-B98F-4337-9382-A0B1C2AA023C}"/>
     <dgm:cxn modelId="{FB2B19FB-0D99-4100-BD00-1D15E6403937}" type="presOf" srcId="{5B650BDE-124C-4112-B58B-D1C1029D6D6C}" destId="{2CD908A2-7EA9-4011-A1D3-35B7DF8B4380}" srcOrd="0" destOrd="0" presId="urn:microsoft.com/office/officeart/2005/8/layout/vList2"/>
@@ -7085,8 +7114,8 @@
       </dsp:nvSpPr>
       <dsp:spPr>
         <a:xfrm>
-          <a:off x="0" y="10896"/>
-          <a:ext cx="8272948" cy="335790"/>
+          <a:off x="0" y="14647"/>
+          <a:ext cx="8390702" cy="335790"/>
         </a:xfrm>
         <a:prstGeom prst="roundRect">
           <a:avLst/>
@@ -7191,8 +7220,8 @@
         </a:p>
       </dsp:txBody>
       <dsp:txXfrm>
-        <a:off x="16392" y="27288"/>
-        <a:ext cx="8240164" cy="303006"/>
+        <a:off x="16392" y="31039"/>
+        <a:ext cx="8357918" cy="303006"/>
       </dsp:txXfrm>
     </dsp:sp>
     <dsp:sp modelId="{5DBE4C09-2606-4BBA-8CDE-F8DEF5E6A514}">
@@ -7202,8 +7231,8 @@
       </dsp:nvSpPr>
       <dsp:spPr>
         <a:xfrm>
-          <a:off x="0" y="346686"/>
-          <a:ext cx="8272948" cy="231840"/>
+          <a:off x="0" y="350437"/>
+          <a:ext cx="8390702" cy="231840"/>
         </a:xfrm>
         <a:prstGeom prst="rect">
           <a:avLst/>
@@ -7227,7 +7256,7 @@
         <a:fontRef idx="minor"/>
       </dsp:style>
       <dsp:txBody>
-        <a:bodyPr spcFirstLastPara="0" vert="horz" wrap="square" lIns="262666" tIns="17780" rIns="99568" bIns="17780" numCol="1" spcCol="1270" anchor="t" anchorCtr="0">
+        <a:bodyPr spcFirstLastPara="0" vert="horz" wrap="square" lIns="266405" tIns="17780" rIns="99568" bIns="17780" numCol="1" spcCol="1270" anchor="t" anchorCtr="0">
           <a:noAutofit/>
         </a:bodyPr>
         <a:lstStyle/>
@@ -7247,14 +7276,14 @@
           </a:pPr>
           <a:r>
             <a:rPr lang="en-US" sz="1100" b="0" i="0" kern="1200" dirty="0"/>
-            <a:t> New version published; comments?</a:t>
+            <a:t> New version published; comments? GitHub Repo?</a:t>
           </a:r>
           <a:endParaRPr lang="en-CA" sz="1100" kern="1200" dirty="0"/>
         </a:p>
       </dsp:txBody>
       <dsp:txXfrm>
-        <a:off x="0" y="346686"/>
-        <a:ext cx="8272948" cy="231840"/>
+        <a:off x="0" y="350437"/>
+        <a:ext cx="8390702" cy="231840"/>
       </dsp:txXfrm>
     </dsp:sp>
     <dsp:sp modelId="{1AA0F8AD-7792-42EE-B045-508654B9F385}">
@@ -7264,8 +7293,8 @@
       </dsp:nvSpPr>
       <dsp:spPr>
         <a:xfrm>
-          <a:off x="0" y="578526"/>
-          <a:ext cx="8272948" cy="335790"/>
+          <a:off x="0" y="582277"/>
+          <a:ext cx="8390702" cy="335790"/>
         </a:xfrm>
         <a:prstGeom prst="roundRect">
           <a:avLst/>
@@ -7369,8 +7398,8 @@
         </a:p>
       </dsp:txBody>
       <dsp:txXfrm>
-        <a:off x="16392" y="594918"/>
-        <a:ext cx="8240164" cy="303006"/>
+        <a:off x="16392" y="598669"/>
+        <a:ext cx="8357918" cy="303006"/>
       </dsp:txXfrm>
     </dsp:sp>
     <dsp:sp modelId="{4F31B09F-225C-4AEA-B1B1-BD289C6658CB}">
@@ -7380,8 +7409,8 @@
       </dsp:nvSpPr>
       <dsp:spPr>
         <a:xfrm>
-          <a:off x="0" y="914316"/>
-          <a:ext cx="8272948" cy="231840"/>
+          <a:off x="0" y="918067"/>
+          <a:ext cx="8390702" cy="231840"/>
         </a:xfrm>
         <a:prstGeom prst="rect">
           <a:avLst/>
@@ -7405,7 +7434,7 @@
         <a:fontRef idx="minor"/>
       </dsp:style>
       <dsp:txBody>
-        <a:bodyPr spcFirstLastPara="0" vert="horz" wrap="square" lIns="262666" tIns="17780" rIns="99568" bIns="17780" numCol="1" spcCol="1270" anchor="t" anchorCtr="0">
+        <a:bodyPr spcFirstLastPara="0" vert="horz" wrap="square" lIns="266405" tIns="17780" rIns="99568" bIns="17780" numCol="1" spcCol="1270" anchor="t" anchorCtr="0">
           <a:noAutofit/>
         </a:bodyPr>
         <a:lstStyle/>
@@ -7425,13 +7454,13 @@
           </a:pPr>
           <a:r>
             <a:rPr lang="en-US" sz="1100" b="0" i="0" kern="1200" dirty="0"/>
-            <a:t>. New version; comments?</a:t>
+            <a:t>. New version; comments? GitHub Repo?</a:t>
           </a:r>
         </a:p>
       </dsp:txBody>
       <dsp:txXfrm>
-        <a:off x="0" y="914316"/>
-        <a:ext cx="8272948" cy="231840"/>
+        <a:off x="0" y="918067"/>
+        <a:ext cx="8390702" cy="231840"/>
       </dsp:txXfrm>
     </dsp:sp>
     <dsp:sp modelId="{94C9E23B-F7D0-4B6A-BF05-5F5DE06D6DB7}">
@@ -7441,8 +7470,8 @@
       </dsp:nvSpPr>
       <dsp:spPr>
         <a:xfrm>
-          <a:off x="0" y="1146156"/>
-          <a:ext cx="8272948" cy="335790"/>
+          <a:off x="0" y="1149907"/>
+          <a:ext cx="8390702" cy="335790"/>
         </a:xfrm>
         <a:prstGeom prst="roundRect">
           <a:avLst/>
@@ -7546,8 +7575,8 @@
         </a:p>
       </dsp:txBody>
       <dsp:txXfrm>
-        <a:off x="16392" y="1162548"/>
-        <a:ext cx="8240164" cy="303006"/>
+        <a:off x="16392" y="1166299"/>
+        <a:ext cx="8357918" cy="303006"/>
       </dsp:txXfrm>
     </dsp:sp>
     <dsp:sp modelId="{EC7D4324-859D-4189-88EA-BB972D7E6119}">
@@ -7557,8 +7586,8 @@
       </dsp:nvSpPr>
       <dsp:spPr>
         <a:xfrm>
-          <a:off x="0" y="1481946"/>
-          <a:ext cx="8272948" cy="231840"/>
+          <a:off x="0" y="1485697"/>
+          <a:ext cx="8390702" cy="231840"/>
         </a:xfrm>
         <a:prstGeom prst="rect">
           <a:avLst/>
@@ -7582,7 +7611,7 @@
         <a:fontRef idx="minor"/>
       </dsp:style>
       <dsp:txBody>
-        <a:bodyPr spcFirstLastPara="0" vert="horz" wrap="square" lIns="262666" tIns="17780" rIns="99568" bIns="17780" numCol="1" spcCol="1270" anchor="t" anchorCtr="0">
+        <a:bodyPr spcFirstLastPara="0" vert="horz" wrap="square" lIns="266405" tIns="17780" rIns="99568" bIns="17780" numCol="1" spcCol="1270" anchor="t" anchorCtr="0">
           <a:noAutofit/>
         </a:bodyPr>
         <a:lstStyle/>
@@ -7602,13 +7631,13 @@
           </a:pPr>
           <a:r>
             <a:rPr lang="en-US" sz="1100" b="0" i="0" kern="1200" dirty="0"/>
-            <a:t>Recently adopted.</a:t>
+            <a:t>Recently adopted. No comments, no issues.</a:t>
           </a:r>
         </a:p>
       </dsp:txBody>
       <dsp:txXfrm>
-        <a:off x="0" y="1481946"/>
-        <a:ext cx="8272948" cy="231840"/>
+        <a:off x="0" y="1485697"/>
+        <a:ext cx="8390702" cy="231840"/>
       </dsp:txXfrm>
     </dsp:sp>
     <dsp:sp modelId="{836629BC-C5D8-4480-AF43-2C4C551E2250}">
@@ -7618,8 +7647,8 @@
       </dsp:nvSpPr>
       <dsp:spPr>
         <a:xfrm>
-          <a:off x="0" y="1713786"/>
-          <a:ext cx="8272948" cy="335790"/>
+          <a:off x="0" y="1717537"/>
+          <a:ext cx="8390702" cy="335790"/>
         </a:xfrm>
         <a:prstGeom prst="roundRect">
           <a:avLst/>
@@ -7719,8 +7748,8 @@
         </a:p>
       </dsp:txBody>
       <dsp:txXfrm>
-        <a:off x="16392" y="1730178"/>
-        <a:ext cx="8240164" cy="303006"/>
+        <a:off x="16392" y="1733929"/>
+        <a:ext cx="8357918" cy="303006"/>
       </dsp:txXfrm>
     </dsp:sp>
     <dsp:sp modelId="{2CD908A2-7EA9-4011-A1D3-35B7DF8B4380}">
@@ -7730,8 +7759,8 @@
       </dsp:nvSpPr>
       <dsp:spPr>
         <a:xfrm>
-          <a:off x="0" y="2049576"/>
-          <a:ext cx="8272948" cy="231840"/>
+          <a:off x="0" y="2053327"/>
+          <a:ext cx="8390702" cy="376740"/>
         </a:xfrm>
         <a:prstGeom prst="rect">
           <a:avLst/>
@@ -7755,7 +7784,7 @@
         <a:fontRef idx="minor"/>
       </dsp:style>
       <dsp:txBody>
-        <a:bodyPr spcFirstLastPara="0" vert="horz" wrap="square" lIns="262666" tIns="17780" rIns="99568" bIns="17780" numCol="1" spcCol="1270" anchor="t" anchorCtr="0">
+        <a:bodyPr spcFirstLastPara="0" vert="horz" wrap="square" lIns="266405" tIns="17780" rIns="99568" bIns="17780" numCol="1" spcCol="1270" anchor="t" anchorCtr="0">
           <a:noAutofit/>
         </a:bodyPr>
         <a:lstStyle/>
@@ -7774,20 +7803,32 @@
           </a:pPr>
           <a:r>
             <a:rPr lang="en-US" sz="1100" b="0" i="0" kern="1200" dirty="0"/>
-            <a:t>Still many open issues. See </a:t>
-          </a:r>
-          <a:r>
-            <a:rPr lang="en-US" sz="1100" b="0" i="0" kern="1200" dirty="0">
-              <a:hlinkClick xmlns:r="http://schemas.openxmlformats.org/officeDocument/2006/relationships" r:id="rId5"/>
-            </a:rPr>
-            <a:t>https://github.com/ietf-wg-httpapi/mediatypes/issues?q=is%3Aopen+is%3Aissue</a:t>
+            <a:t>OpenAPI issues: plain name fragments, and security considerations</a:t>
           </a:r>
           <a:endParaRPr lang="en-CA" sz="1100" kern="1200" dirty="0"/>
         </a:p>
+        <a:p>
+          <a:pPr marL="57150" lvl="1" indent="-57150" algn="l" defTabSz="488950">
+            <a:lnSpc>
+              <a:spcPct val="90000"/>
+            </a:lnSpc>
+            <a:spcBef>
+              <a:spcPct val="0"/>
+            </a:spcBef>
+            <a:spcAft>
+              <a:spcPct val="20000"/>
+            </a:spcAft>
+            <a:buChar char="•"/>
+          </a:pPr>
+          <a:r>
+            <a:rPr lang="en-CA" sz="1100" kern="1200" dirty="0"/>
+            <a:t>JSON Schema issues: ??</a:t>
+          </a:r>
+        </a:p>
       </dsp:txBody>
       <dsp:txXfrm>
-        <a:off x="0" y="2049576"/>
-        <a:ext cx="8272948" cy="231840"/>
+        <a:off x="0" y="2053327"/>
+        <a:ext cx="8390702" cy="376740"/>
       </dsp:txXfrm>
     </dsp:sp>
     <dsp:sp modelId="{5AC83D3D-A5AF-4EA2-AEA8-C1B32DA9ED3D}">
@@ -7797,8 +7838,183 @@
       </dsp:nvSpPr>
       <dsp:spPr>
         <a:xfrm>
-          <a:off x="0" y="2281416"/>
-          <a:ext cx="8272948" cy="335790"/>
+          <a:off x="0" y="2430067"/>
+          <a:ext cx="8390702" cy="335790"/>
+        </a:xfrm>
+        <a:prstGeom prst="roundRect">
+          <a:avLst/>
+        </a:prstGeom>
+        <a:gradFill rotWithShape="0">
+          <a:gsLst>
+            <a:gs pos="0">
+              <a:schemeClr val="accent1">
+                <a:hueOff val="0"/>
+                <a:satOff val="0"/>
+                <a:lumOff val="0"/>
+                <a:alphaOff val="0"/>
+                <a:tint val="50000"/>
+                <a:satMod val="300000"/>
+              </a:schemeClr>
+            </a:gs>
+            <a:gs pos="35000">
+              <a:schemeClr val="accent1">
+                <a:hueOff val="0"/>
+                <a:satOff val="0"/>
+                <a:lumOff val="0"/>
+                <a:alphaOff val="0"/>
+                <a:tint val="37000"/>
+                <a:satMod val="300000"/>
+              </a:schemeClr>
+            </a:gs>
+            <a:gs pos="100000">
+              <a:schemeClr val="accent1">
+                <a:hueOff val="0"/>
+                <a:satOff val="0"/>
+                <a:lumOff val="0"/>
+                <a:alphaOff val="0"/>
+                <a:tint val="15000"/>
+                <a:satMod val="350000"/>
+              </a:schemeClr>
+            </a:gs>
+          </a:gsLst>
+          <a:lin ang="16200000" scaled="1"/>
+        </a:gradFill>
+        <a:ln>
+          <a:noFill/>
+        </a:ln>
+        <a:effectLst>
+          <a:outerShdw blurRad="40000" dist="20000" dir="5400000" rotWithShape="0">
+            <a:srgbClr val="000000">
+              <a:alpha val="38000"/>
+            </a:srgbClr>
+          </a:outerShdw>
+        </a:effectLst>
+        <a:scene3d>
+          <a:camera prst="orthographicFront"/>
+          <a:lightRig rig="flat" dir="t"/>
+        </a:scene3d>
+        <a:sp3d prstMaterial="dkEdge">
+          <a:bevelT w="8200" h="38100"/>
+        </a:sp3d>
+      </dsp:spPr>
+      <dsp:style>
+        <a:lnRef idx="0">
+          <a:scrgbClr r="0" g="0" b="0"/>
+        </a:lnRef>
+        <a:fillRef idx="2">
+          <a:scrgbClr r="0" g="0" b="0"/>
+        </a:fillRef>
+        <a:effectRef idx="1">
+          <a:scrgbClr r="0" g="0" b="0"/>
+        </a:effectRef>
+        <a:fontRef idx="minor">
+          <a:schemeClr val="dk1"/>
+        </a:fontRef>
+      </dsp:style>
+      <dsp:txBody>
+        <a:bodyPr spcFirstLastPara="0" vert="horz" wrap="square" lIns="53340" tIns="53340" rIns="53340" bIns="53340" numCol="1" spcCol="1270" anchor="ctr" anchorCtr="0">
+          <a:noAutofit/>
+        </a:bodyPr>
+        <a:lstStyle/>
+        <a:p>
+          <a:pPr marL="0" lvl="0" indent="0" algn="l" defTabSz="622300">
+            <a:lnSpc>
+              <a:spcPct val="90000"/>
+            </a:lnSpc>
+            <a:spcBef>
+              <a:spcPct val="0"/>
+            </a:spcBef>
+            <a:spcAft>
+              <a:spcPct val="35000"/>
+            </a:spcAft>
+            <a:buNone/>
+          </a:pPr>
+          <a:r>
+            <a:rPr lang="en-CA" sz="1400" b="0" kern="1200" dirty="0">
+              <a:hlinkClick xmlns:r="http://schemas.openxmlformats.org/officeDocument/2006/relationships" r:id="rId5"/>
+            </a:rPr>
+            <a:t>Auth Link Relations</a:t>
+          </a:r>
+          <a:r>
+            <a:rPr lang="en-CA" sz="1400" b="0" kern="1200" dirty="0"/>
+            <a:t> – Evert Pot</a:t>
+          </a:r>
+        </a:p>
+      </dsp:txBody>
+      <dsp:txXfrm>
+        <a:off x="16392" y="2446459"/>
+        <a:ext cx="8357918" cy="303006"/>
+      </dsp:txXfrm>
+    </dsp:sp>
+    <dsp:sp modelId="{F9957635-39DC-49E8-B1C1-DCA655B02E49}">
+      <dsp:nvSpPr>
+        <dsp:cNvPr id="0" name=""/>
+        <dsp:cNvSpPr/>
+      </dsp:nvSpPr>
+      <dsp:spPr>
+        <a:xfrm>
+          <a:off x="0" y="2765857"/>
+          <a:ext cx="8390702" cy="231840"/>
+        </a:xfrm>
+        <a:prstGeom prst="rect">
+          <a:avLst/>
+        </a:prstGeom>
+        <a:noFill/>
+        <a:ln>
+          <a:noFill/>
+        </a:ln>
+        <a:effectLst/>
+      </dsp:spPr>
+      <dsp:style>
+        <a:lnRef idx="0">
+          <a:scrgbClr r="0" g="0" b="0"/>
+        </a:lnRef>
+        <a:fillRef idx="0">
+          <a:scrgbClr r="0" g="0" b="0"/>
+        </a:fillRef>
+        <a:effectRef idx="0">
+          <a:scrgbClr r="0" g="0" b="0"/>
+        </a:effectRef>
+        <a:fontRef idx="minor"/>
+      </dsp:style>
+      <dsp:txBody>
+        <a:bodyPr spcFirstLastPara="0" vert="horz" wrap="square" lIns="266405" tIns="17780" rIns="99568" bIns="17780" numCol="1" spcCol="1270" anchor="t" anchorCtr="0">
+          <a:noAutofit/>
+        </a:bodyPr>
+        <a:lstStyle/>
+        <a:p>
+          <a:pPr marL="57150" lvl="1" indent="-57150" algn="l" defTabSz="488950">
+            <a:lnSpc>
+              <a:spcPct val="90000"/>
+            </a:lnSpc>
+            <a:spcBef>
+              <a:spcPct val="0"/>
+            </a:spcBef>
+            <a:spcAft>
+              <a:spcPct val="20000"/>
+            </a:spcAft>
+            <a:buChar char="•"/>
+          </a:pPr>
+          <a:r>
+            <a:rPr lang="en-CA" sz="1100" kern="1200" dirty="0"/>
+            <a:t>Updates? Empty GitHub repo.</a:t>
+          </a:r>
+        </a:p>
+      </dsp:txBody>
+      <dsp:txXfrm>
+        <a:off x="0" y="2765857"/>
+        <a:ext cx="8390702" cy="231840"/>
+      </dsp:txXfrm>
+    </dsp:sp>
+    <dsp:sp modelId="{84C66EBB-5BEA-48B9-B703-9835CDA4DDFF}">
+      <dsp:nvSpPr>
+        <dsp:cNvPr id="0" name=""/>
+        <dsp:cNvSpPr/>
+      </dsp:nvSpPr>
+      <dsp:spPr>
+        <a:xfrm>
+          <a:off x="0" y="2997697"/>
+          <a:ext cx="8390702" cy="335790"/>
         </a:xfrm>
         <a:prstGeom prst="roundRect">
           <a:avLst/>
@@ -7892,28 +8108,25 @@
             <a:rPr lang="en-CA" sz="1400" b="0" kern="1200" dirty="0">
               <a:hlinkClick xmlns:r="http://schemas.openxmlformats.org/officeDocument/2006/relationships" r:id="rId6"/>
             </a:rPr>
-            <a:t>Auth Link Relations</a:t>
+            <a:t>Idempotency-Key HTTP Header Field</a:t>
           </a:r>
-          <a:r>
-            <a:rPr lang="en-CA" sz="1400" b="0" kern="1200" dirty="0"/>
-            <a:t> – Evert Pot</a:t>
-          </a:r>
+          <a:endParaRPr lang="en-CA" sz="1400" b="0" kern="1200" dirty="0"/>
         </a:p>
       </dsp:txBody>
       <dsp:txXfrm>
-        <a:off x="16392" y="2297808"/>
-        <a:ext cx="8240164" cy="303006"/>
+        <a:off x="16392" y="3014089"/>
+        <a:ext cx="8357918" cy="303006"/>
       </dsp:txXfrm>
     </dsp:sp>
-    <dsp:sp modelId="{F9957635-39DC-49E8-B1C1-DCA655B02E49}">
+    <dsp:sp modelId="{81D9A9F2-6104-4756-85D5-466AB31538E7}">
       <dsp:nvSpPr>
         <dsp:cNvPr id="0" name=""/>
         <dsp:cNvSpPr/>
       </dsp:nvSpPr>
       <dsp:spPr>
         <a:xfrm>
-          <a:off x="0" y="2617206"/>
-          <a:ext cx="8272948" cy="231840"/>
+          <a:off x="0" y="3333487"/>
+          <a:ext cx="8390702" cy="565110"/>
         </a:xfrm>
         <a:prstGeom prst="rect">
           <a:avLst/>
@@ -7937,7 +8150,7 @@
         <a:fontRef idx="minor"/>
       </dsp:style>
       <dsp:txBody>
-        <a:bodyPr spcFirstLastPara="0" vert="horz" wrap="square" lIns="262666" tIns="17780" rIns="99568" bIns="17780" numCol="1" spcCol="1270" anchor="t" anchorCtr="0">
+        <a:bodyPr spcFirstLastPara="0" vert="horz" wrap="square" lIns="266405" tIns="17780" rIns="99568" bIns="17780" numCol="1" spcCol="1270" anchor="t" anchorCtr="0">
           <a:noAutofit/>
         </a:bodyPr>
         <a:lstStyle/>
@@ -7956,24 +8169,62 @@
           </a:pPr>
           <a:r>
             <a:rPr lang="en-CA" sz="1100" kern="1200" dirty="0"/>
-            <a:t>Updates?</a:t>
+            <a:t>Minor editorial issues remain.</a:t>
           </a:r>
+        </a:p>
+        <a:p>
+          <a:pPr marL="57150" lvl="1" indent="-57150" algn="l" defTabSz="488950">
+            <a:lnSpc>
+              <a:spcPct val="90000"/>
+            </a:lnSpc>
+            <a:spcBef>
+              <a:spcPct val="0"/>
+            </a:spcBef>
+            <a:spcAft>
+              <a:spcPct val="20000"/>
+            </a:spcAft>
+            <a:buChar char="•"/>
+          </a:pPr>
+          <a:r>
+            <a:rPr lang="en-US" sz="1100" b="0" i="0" kern="1200" dirty="0"/>
+            <a:t>Editors draft includes ability for client to send field without knowledge of server support. No WG consensus yet.</a:t>
+          </a:r>
+          <a:endParaRPr lang="en-CA" sz="1100" kern="1200" dirty="0"/>
+        </a:p>
+        <a:p>
+          <a:pPr marL="57150" lvl="1" indent="-57150" algn="l" defTabSz="488950">
+            <a:lnSpc>
+              <a:spcPct val="90000"/>
+            </a:lnSpc>
+            <a:spcBef>
+              <a:spcPct val="0"/>
+            </a:spcBef>
+            <a:spcAft>
+              <a:spcPct val="20000"/>
+            </a:spcAft>
+            <a:buChar char="•"/>
+          </a:pPr>
+          <a:r>
+            <a:rPr lang="en-US" sz="1100" b="0" i="0" kern="1200" dirty="0"/>
+            <a:t>Move to WGLC with/without addressing that? New version first?</a:t>
+          </a:r>
+          <a:endParaRPr lang="en-CA" sz="1100" kern="1200" dirty="0"/>
         </a:p>
       </dsp:txBody>
       <dsp:txXfrm>
-        <a:off x="0" y="2617206"/>
-        <a:ext cx="8272948" cy="231840"/>
+        <a:off x="0" y="3333487"/>
+        <a:ext cx="8390702" cy="565110"/>
       </dsp:txXfrm>
     </dsp:sp>
-    <dsp:sp modelId="{84C66EBB-5BEA-48B9-B703-9835CDA4DDFF}">
+    <dsp:sp modelId="{D9483727-B001-4B94-A296-BEB540E29684}">
       <dsp:nvSpPr>
         <dsp:cNvPr id="0" name=""/>
         <dsp:cNvSpPr/>
       </dsp:nvSpPr>
       <dsp:spPr>
         <a:xfrm>
-          <a:off x="0" y="2849046"/>
-          <a:ext cx="8272948" cy="335790"/>
+          <a:off x="0" y="3898597"/>
+          <a:ext cx="8390702" cy="335790"/>
         </a:xfrm>
         <a:prstGeom prst="roundRect">
           <a:avLst/>
@@ -8067,25 +8318,25 @@
             <a:rPr lang="en-CA" sz="1400" b="0" kern="1200" dirty="0">
               <a:hlinkClick xmlns:r="http://schemas.openxmlformats.org/officeDocument/2006/relationships" r:id="rId7"/>
             </a:rPr>
-            <a:t>Idempotency-Key HTTP Header Field</a:t>
+            <a:t>Rate Limit Headers</a:t>
           </a:r>
           <a:endParaRPr lang="en-CA" sz="1400" b="0" kern="1200" dirty="0"/>
         </a:p>
       </dsp:txBody>
       <dsp:txXfrm>
-        <a:off x="16392" y="2865438"/>
-        <a:ext cx="8240164" cy="303006"/>
+        <a:off x="16392" y="3914989"/>
+        <a:ext cx="8357918" cy="303006"/>
       </dsp:txXfrm>
     </dsp:sp>
-    <dsp:sp modelId="{81D9A9F2-6104-4756-85D5-466AB31538E7}">
+    <dsp:sp modelId="{8F9FF76C-CEDD-43B2-B639-10A92A49A0E8}">
       <dsp:nvSpPr>
         <dsp:cNvPr id="0" name=""/>
         <dsp:cNvSpPr/>
       </dsp:nvSpPr>
       <dsp:spPr>
         <a:xfrm>
-          <a:off x="0" y="3184836"/>
-          <a:ext cx="8272948" cy="753480"/>
+          <a:off x="0" y="4234387"/>
+          <a:ext cx="8390702" cy="565110"/>
         </a:xfrm>
         <a:prstGeom prst="rect">
           <a:avLst/>
@@ -8109,7 +8360,7 @@
         <a:fontRef idx="minor"/>
       </dsp:style>
       <dsp:txBody>
-        <a:bodyPr spcFirstLastPara="0" vert="horz" wrap="square" lIns="262666" tIns="17780" rIns="99568" bIns="17780" numCol="1" spcCol="1270" anchor="t" anchorCtr="0">
+        <a:bodyPr spcFirstLastPara="0" vert="horz" wrap="square" lIns="266405" tIns="17780" rIns="99568" bIns="17780" numCol="1" spcCol="1270" anchor="t" anchorCtr="0">
           <a:noAutofit/>
         </a:bodyPr>
         <a:lstStyle/>
@@ -8128,7 +8379,7 @@
           </a:pPr>
           <a:r>
             <a:rPr lang="en-US" sz="1100" b="0" i="0" kern="1200" dirty="0"/>
-            <a:t>David Benjamin asks about adopting this to handle POST No WG consensus yet.</a:t>
+            <a:t>Policy identifier PR is updated with feedback from IETF 117</a:t>
           </a:r>
           <a:endParaRPr lang="en-CA" sz="1100" kern="1200" dirty="0"/>
         </a:p>
@@ -8146,10 +8397,9 @@
             <a:buChar char="•"/>
           </a:pPr>
           <a:r>
-            <a:rPr lang="en-US" sz="1100" b="0" i="0" kern="1200" dirty="0"/>
-            <a:t>Thanks Sanjay for moving this forward.</a:t>
+            <a:rPr lang="en-CA" sz="1100" kern="1200" dirty="0"/>
+            <a:t>Scope parameter and quota units are open issues.  </a:t>
           </a:r>
-          <a:endParaRPr lang="en-CA" sz="1100" kern="1200" dirty="0"/>
         </a:p>
         <a:p>
           <a:pPr marL="57150" lvl="1" indent="-57150" algn="l" defTabSz="488950">
@@ -8165,226 +8415,14 @@
             <a:buChar char="•"/>
           </a:pPr>
           <a:r>
-            <a:rPr lang="en-US" sz="1100" b="0" i="0" kern="1200" dirty="0"/>
-            <a:t>Move to WGLC with/without addressing that?</a:t>
+            <a:rPr lang="en-CA" sz="1100" kern="1200" dirty="0"/>
+            <a:t>Do we need a parameter registry?</a:t>
           </a:r>
-          <a:endParaRPr lang="en-CA" sz="1100" kern="1200" dirty="0"/>
-        </a:p>
-        <a:p>
-          <a:pPr marL="57150" lvl="1" indent="-57150" algn="l" defTabSz="488950">
-            <a:lnSpc>
-              <a:spcPct val="90000"/>
-            </a:lnSpc>
-            <a:spcBef>
-              <a:spcPct val="0"/>
-            </a:spcBef>
-            <a:spcAft>
-              <a:spcPct val="20000"/>
-            </a:spcAft>
-            <a:buChar char="•"/>
-          </a:pPr>
-          <a:r>
-            <a:rPr lang="en-US" sz="1100" b="0" i="0" kern="1200" dirty="0"/>
-            <a:t>New version first?</a:t>
-          </a:r>
-          <a:endParaRPr lang="en-CA" sz="1100" kern="1200" dirty="0"/>
         </a:p>
       </dsp:txBody>
       <dsp:txXfrm>
-        <a:off x="0" y="3184836"/>
-        <a:ext cx="8272948" cy="753480"/>
-      </dsp:txXfrm>
-    </dsp:sp>
-    <dsp:sp modelId="{D9483727-B001-4B94-A296-BEB540E29684}">
-      <dsp:nvSpPr>
-        <dsp:cNvPr id="0" name=""/>
-        <dsp:cNvSpPr/>
-      </dsp:nvSpPr>
-      <dsp:spPr>
-        <a:xfrm>
-          <a:off x="0" y="3938316"/>
-          <a:ext cx="8272948" cy="335790"/>
-        </a:xfrm>
-        <a:prstGeom prst="roundRect">
-          <a:avLst/>
-        </a:prstGeom>
-        <a:gradFill rotWithShape="0">
-          <a:gsLst>
-            <a:gs pos="0">
-              <a:schemeClr val="accent1">
-                <a:hueOff val="0"/>
-                <a:satOff val="0"/>
-                <a:lumOff val="0"/>
-                <a:alphaOff val="0"/>
-                <a:tint val="50000"/>
-                <a:satMod val="300000"/>
-              </a:schemeClr>
-            </a:gs>
-            <a:gs pos="35000">
-              <a:schemeClr val="accent1">
-                <a:hueOff val="0"/>
-                <a:satOff val="0"/>
-                <a:lumOff val="0"/>
-                <a:alphaOff val="0"/>
-                <a:tint val="37000"/>
-                <a:satMod val="300000"/>
-              </a:schemeClr>
-            </a:gs>
-            <a:gs pos="100000">
-              <a:schemeClr val="accent1">
-                <a:hueOff val="0"/>
-                <a:satOff val="0"/>
-                <a:lumOff val="0"/>
-                <a:alphaOff val="0"/>
-                <a:tint val="15000"/>
-                <a:satMod val="350000"/>
-              </a:schemeClr>
-            </a:gs>
-          </a:gsLst>
-          <a:lin ang="16200000" scaled="1"/>
-        </a:gradFill>
-        <a:ln>
-          <a:noFill/>
-        </a:ln>
-        <a:effectLst>
-          <a:outerShdw blurRad="40000" dist="20000" dir="5400000" rotWithShape="0">
-            <a:srgbClr val="000000">
-              <a:alpha val="38000"/>
-            </a:srgbClr>
-          </a:outerShdw>
-        </a:effectLst>
-        <a:scene3d>
-          <a:camera prst="orthographicFront"/>
-          <a:lightRig rig="flat" dir="t"/>
-        </a:scene3d>
-        <a:sp3d prstMaterial="dkEdge">
-          <a:bevelT w="8200" h="38100"/>
-        </a:sp3d>
-      </dsp:spPr>
-      <dsp:style>
-        <a:lnRef idx="0">
-          <a:scrgbClr r="0" g="0" b="0"/>
-        </a:lnRef>
-        <a:fillRef idx="2">
-          <a:scrgbClr r="0" g="0" b="0"/>
-        </a:fillRef>
-        <a:effectRef idx="1">
-          <a:scrgbClr r="0" g="0" b="0"/>
-        </a:effectRef>
-        <a:fontRef idx="minor">
-          <a:schemeClr val="dk1"/>
-        </a:fontRef>
-      </dsp:style>
-      <dsp:txBody>
-        <a:bodyPr spcFirstLastPara="0" vert="horz" wrap="square" lIns="53340" tIns="53340" rIns="53340" bIns="53340" numCol="1" spcCol="1270" anchor="ctr" anchorCtr="0">
-          <a:noAutofit/>
-        </a:bodyPr>
-        <a:lstStyle/>
-        <a:p>
-          <a:pPr marL="0" lvl="0" indent="0" algn="l" defTabSz="622300">
-            <a:lnSpc>
-              <a:spcPct val="90000"/>
-            </a:lnSpc>
-            <a:spcBef>
-              <a:spcPct val="0"/>
-            </a:spcBef>
-            <a:spcAft>
-              <a:spcPct val="35000"/>
-            </a:spcAft>
-            <a:buNone/>
-          </a:pPr>
-          <a:r>
-            <a:rPr lang="en-CA" sz="1400" b="0" kern="1200" dirty="0">
-              <a:hlinkClick xmlns:r="http://schemas.openxmlformats.org/officeDocument/2006/relationships" r:id="rId8"/>
-            </a:rPr>
-            <a:t>Rate Limit Headers</a:t>
-          </a:r>
-          <a:endParaRPr lang="en-CA" sz="1400" b="0" kern="1200" dirty="0"/>
-        </a:p>
-      </dsp:txBody>
-      <dsp:txXfrm>
-        <a:off x="16392" y="3954708"/>
-        <a:ext cx="8240164" cy="303006"/>
-      </dsp:txXfrm>
-    </dsp:sp>
-    <dsp:sp modelId="{8F9FF76C-CEDD-43B2-B639-10A92A49A0E8}">
-      <dsp:nvSpPr>
-        <dsp:cNvPr id="0" name=""/>
-        <dsp:cNvSpPr/>
-      </dsp:nvSpPr>
-      <dsp:spPr>
-        <a:xfrm>
-          <a:off x="0" y="4274106"/>
-          <a:ext cx="8272948" cy="376740"/>
-        </a:xfrm>
-        <a:prstGeom prst="rect">
-          <a:avLst/>
-        </a:prstGeom>
-        <a:noFill/>
-        <a:ln>
-          <a:noFill/>
-        </a:ln>
-        <a:effectLst/>
-      </dsp:spPr>
-      <dsp:style>
-        <a:lnRef idx="0">
-          <a:scrgbClr r="0" g="0" b="0"/>
-        </a:lnRef>
-        <a:fillRef idx="0">
-          <a:scrgbClr r="0" g="0" b="0"/>
-        </a:fillRef>
-        <a:effectRef idx="0">
-          <a:scrgbClr r="0" g="0" b="0"/>
-        </a:effectRef>
-        <a:fontRef idx="minor"/>
-      </dsp:style>
-      <dsp:txBody>
-        <a:bodyPr spcFirstLastPara="0" vert="horz" wrap="square" lIns="262666" tIns="17780" rIns="99568" bIns="17780" numCol="1" spcCol="1270" anchor="t" anchorCtr="0">
-          <a:noAutofit/>
-        </a:bodyPr>
-        <a:lstStyle/>
-        <a:p>
-          <a:pPr marL="57150" lvl="1" indent="-57150" algn="l" defTabSz="488950">
-            <a:lnSpc>
-              <a:spcPct val="90000"/>
-            </a:lnSpc>
-            <a:spcBef>
-              <a:spcPct val="0"/>
-            </a:spcBef>
-            <a:spcAft>
-              <a:spcPct val="20000"/>
-            </a:spcAft>
-            <a:buChar char="•"/>
-          </a:pPr>
-          <a:r>
-            <a:rPr lang="en-US" sz="1100" b="0" i="0" kern="1200" dirty="0"/>
-            <a:t>Two open issues; then ready for WGLC?</a:t>
-          </a:r>
-          <a:endParaRPr lang="en-CA" sz="1100" kern="1200" dirty="0"/>
-        </a:p>
-        <a:p>
-          <a:pPr marL="57150" lvl="1" indent="-57150" algn="l" defTabSz="488950">
-            <a:lnSpc>
-              <a:spcPct val="90000"/>
-            </a:lnSpc>
-            <a:spcBef>
-              <a:spcPct val="0"/>
-            </a:spcBef>
-            <a:spcAft>
-              <a:spcPct val="20000"/>
-            </a:spcAft>
-            <a:buChar char="•"/>
-          </a:pPr>
-          <a:r>
-            <a:rPr lang="en-US" sz="1100" b="0" i="0" kern="1200" dirty="0"/>
-            <a:t>One is policy identifier.</a:t>
-          </a:r>
-          <a:endParaRPr lang="en-CA" sz="1100" kern="1200" dirty="0"/>
-        </a:p>
-      </dsp:txBody>
-      <dsp:txXfrm>
-        <a:off x="0" y="4274106"/>
-        <a:ext cx="8272948" cy="376740"/>
+        <a:off x="0" y="4234387"/>
+        <a:ext cx="8390702" cy="565110"/>
       </dsp:txXfrm>
     </dsp:sp>
   </dsp:spTree>
@@ -32607,7 +32645,7 @@
         <p:fade/>
       </p:transition>
     </mc:Choice>
-    <mc:Fallback xmlns="" xmlns:mv="urn:schemas-microsoft-com:mac:vml" xmlns:c="http://schemas.openxmlformats.org/drawingml/2006/chart" xmlns:dgm="http://schemas.openxmlformats.org/drawingml/2006/diagram" xmlns:o="urn:schemas-microsoft-com:office:office" xmlns:v="urn:schemas-microsoft-com:vml" xmlns:pvml="urn:schemas-microsoft-com:office:powerpoint" xmlns:com="http://schemas.openxmlformats.org/drawingml/2006/compatibility" xmlns:p15="http://schemas.microsoft.com/office/powerpoint/2012/main" xmlns:ahyp="http://schemas.microsoft.com/office/drawing/2018/hyperlinkcolor">
+    <mc:Fallback xmlns:ahyp="http://schemas.microsoft.com/office/drawing/2018/hyperlinkcolor" xmlns:p15="http://schemas.microsoft.com/office/powerpoint/2012/main" xmlns:com="http://schemas.openxmlformats.org/drawingml/2006/compatibility" xmlns:pvml="urn:schemas-microsoft-com:office:powerpoint" xmlns:v="urn:schemas-microsoft-com:vml" xmlns:o="urn:schemas-microsoft-com:office:office" xmlns:dgm="http://schemas.openxmlformats.org/drawingml/2006/diagram" xmlns:c="http://schemas.openxmlformats.org/drawingml/2006/chart" xmlns:mv="urn:schemas-microsoft-com:mac:vml" xmlns="">
       <p:transition spd="slow">
         <p:fade/>
       </p:transition>
@@ -34148,17 +34186,7 @@
                 <a:latin typeface="Lucida Sans Unicode"/>
                 <a:cs typeface="Lucida Sans Unicode"/>
               </a:rPr>
-              <a:t>Resources for IETF </a:t>
-            </a:r>
-            <a:r>
-              <a:rPr lang="en-CA" sz="3600" spc="-105">
-                <a:solidFill>
-                  <a:srgbClr val="FFFFFF"/>
-                </a:solidFill>
-                <a:latin typeface="Lucida Sans Unicode"/>
-                <a:cs typeface="Lucida Sans Unicode"/>
-              </a:rPr>
-              <a:t>118 Prague</a:t>
+              <a:t>Resources for IETF 118 Prague</a:t>
             </a:r>
             <a:endParaRPr sz="3600" dirty="0">
               <a:latin typeface="Lucida Sans Unicode"/>
@@ -34887,7 +34915,7 @@
         </p:nvGrpSpPr>
         <p:grpSpPr>
           <a:xfrm>
-            <a:off x="0" y="590550"/>
+            <a:off x="-8467" y="590550"/>
             <a:ext cx="9144000" cy="5164455"/>
             <a:chOff x="0" y="656349"/>
             <a:chExt cx="9144000" cy="4478655"/>
@@ -35370,14 +35398,14 @@
           <p:nvPr>
             <p:extLst>
               <p:ext uri="{D42A27DB-BD31-4B8C-83A1-F6EECF244321}">
-                <p14:modId xmlns:p14="http://schemas.microsoft.com/office/powerpoint/2010/main" val="776969739"/>
+                <p14:modId xmlns:p14="http://schemas.microsoft.com/office/powerpoint/2010/main" val="2113210930"/>
               </p:ext>
             </p:extLst>
           </p:nvPr>
         </p:nvGraphicFramePr>
         <p:xfrm>
           <a:off x="372298" y="653206"/>
-          <a:ext cx="8272948" cy="4661743"/>
+          <a:ext cx="8390702" cy="4814144"/>
         </p:xfrm>
         <a:graphic>
           <a:graphicData uri="http://schemas.openxmlformats.org/drawingml/2006/diagram">
